--- a/In the Fast Lane.pptx
+++ b/In the Fast Lane.pptx
@@ -113,6 +113,11 @@
       </a:defRPr>
     </a:lvl9pPr>
   </p:defaultTextStyle>
+  <p:extLst>
+    <p:ext uri="{EFAFB233-063F-42B5-8137-9DF3F51BA10A}">
+      <p15:sldGuideLst xmlns:p15="http://schemas.microsoft.com/office/powerpoint/2012/main"/>
+    </p:ext>
+  </p:extLst>
 </p:presentation>
 </file>
 
@@ -21713,6 +21718,46 @@
           </a:p>
         </p:txBody>
       </p:sp>
+      <p:sp>
+        <p:nvSpPr>
+          <p:cNvPr id="4" name="TextBox 3">
+            <a:extLst>
+              <a:ext uri="{FF2B5EF4-FFF2-40B4-BE49-F238E27FC236}">
+                <a16:creationId xmlns:a16="http://schemas.microsoft.com/office/drawing/2014/main" id="{DD7C4B31-40FD-4259-B644-DB714E68C4BE}"/>
+              </a:ext>
+            </a:extLst>
+          </p:cNvPr>
+          <p:cNvSpPr txBox="1"/>
+          <p:nvPr/>
+        </p:nvSpPr>
+        <p:spPr>
+          <a:xfrm>
+            <a:off x="10551459" y="6221505"/>
+            <a:ext cx="1640541" cy="523220"/>
+          </a:xfrm>
+          <a:prstGeom prst="rect">
+            <a:avLst/>
+          </a:prstGeom>
+          <a:noFill/>
+        </p:spPr>
+        <p:txBody>
+          <a:bodyPr wrap="square" rtlCol="0">
+            <a:spAutoFit/>
+          </a:bodyPr>
+          <a:lstStyle/>
+          <a:p>
+            <a:r>
+              <a:rPr lang="en-IN" sz="2800" dirty="0"/>
+              <a:t>- </a:t>
+            </a:r>
+            <a:r>
+              <a:rPr lang="en-IN" sz="2800" dirty="0" err="1"/>
+              <a:t>Srihridai</a:t>
+            </a:r>
+            <a:endParaRPr lang="en-IN" sz="2800" dirty="0"/>
+          </a:p>
+        </p:txBody>
+      </p:sp>
     </p:spTree>
     <p:extLst>
       <p:ext uri="{BB962C8B-B14F-4D97-AF65-F5344CB8AC3E}">
@@ -21778,6 +21823,57 @@
           </a:p>
         </p:txBody>
       </p:sp>
+      <p:sp>
+        <p:nvSpPr>
+          <p:cNvPr id="3" name="TextBox 2">
+            <a:extLst>
+              <a:ext uri="{FF2B5EF4-FFF2-40B4-BE49-F238E27FC236}">
+                <a16:creationId xmlns:a16="http://schemas.microsoft.com/office/drawing/2014/main" id="{4DBA9D38-1238-4F2A-BB89-82750D87A3BC}"/>
+              </a:ext>
+            </a:extLst>
+          </p:cNvPr>
+          <p:cNvSpPr txBox="1"/>
+          <p:nvPr/>
+        </p:nvSpPr>
+        <p:spPr>
+          <a:xfrm>
+            <a:off x="3325906" y="3801034"/>
+            <a:ext cx="2689412" cy="923330"/>
+          </a:xfrm>
+          <a:prstGeom prst="rect">
+            <a:avLst/>
+          </a:prstGeom>
+          <a:noFill/>
+        </p:spPr>
+        <p:txBody>
+          <a:bodyPr wrap="square" rtlCol="0">
+            <a:spAutoFit/>
+          </a:bodyPr>
+          <a:lstStyle/>
+          <a:p>
+            <a:r>
+              <a:rPr lang="en-IN" dirty="0"/>
+              <a:t>Presented by,</a:t>
+            </a:r>
+          </a:p>
+          <a:p>
+            <a:r>
+              <a:rPr lang="en-IN" dirty="0" err="1"/>
+              <a:t>Srihridai</a:t>
+            </a:r>
+            <a:r>
+              <a:rPr lang="en-IN" dirty="0"/>
+              <a:t>,</a:t>
+            </a:r>
+          </a:p>
+          <a:p>
+            <a:r>
+              <a:rPr lang="en-IN" dirty="0"/>
+              <a:t>imbhanu1996@gmail.com</a:t>
+            </a:r>
+          </a:p>
+        </p:txBody>
+      </p:sp>
     </p:spTree>
     <p:extLst>
       <p:ext uri="{BB962C8B-B14F-4D97-AF65-F5344CB8AC3E}">
@@ -21788,13 +21884,13 @@
   <p:clrMapOvr>
     <a:masterClrMapping/>
   </p:clrMapOvr>
-  <mc:AlternateContent xmlns:mc="http://schemas.openxmlformats.org/markup-compatibility/2006">
-    <mc:Choice xmlns:p159="http://schemas.microsoft.com/office/powerpoint/2015/09/main" Requires="p159">
+  <mc:AlternateContent xmlns:mc="http://schemas.openxmlformats.org/markup-compatibility/2006" xmlns:p159="http://schemas.microsoft.com/office/powerpoint/2015/09/main">
+    <mc:Choice Requires="p159">
       <p:transition xmlns:p14="http://schemas.microsoft.com/office/powerpoint/2010/main" spd="slow" p14:dur="2000">
         <p159:morph option="byObject"/>
       </p:transition>
     </mc:Choice>
-    <mc:Fallback>
+    <mc:Fallback xmlns="">
       <p:transition spd="slow">
         <p:fade/>
       </p:transition>
@@ -22190,13 +22286,13 @@
   <p:clrMapOvr>
     <a:masterClrMapping/>
   </p:clrMapOvr>
-  <mc:AlternateContent xmlns:mc="http://schemas.openxmlformats.org/markup-compatibility/2006">
-    <mc:Choice xmlns:p14="http://schemas.microsoft.com/office/powerpoint/2010/main" Requires="p14">
+  <mc:AlternateContent xmlns:mc="http://schemas.openxmlformats.org/markup-compatibility/2006" xmlns:p14="http://schemas.microsoft.com/office/powerpoint/2010/main">
+    <mc:Choice Requires="p14">
       <p:transition spd="slow" p14:dur="3400">
         <p14:reveal/>
       </p:transition>
     </mc:Choice>
-    <mc:Fallback>
+    <mc:Fallback xmlns="">
       <p:transition spd="slow">
         <p:fade/>
       </p:transition>
@@ -23536,6 +23632,100 @@
           </a:p>
         </p:txBody>
       </p:sp>
+      <p:pic>
+        <p:nvPicPr>
+          <p:cNvPr id="1025" name="Picture 1" descr="User">
+            <a:extLst>
+              <a:ext uri="{FF2B5EF4-FFF2-40B4-BE49-F238E27FC236}">
+                <a16:creationId xmlns:a16="http://schemas.microsoft.com/office/drawing/2014/main" id="{1E39ACF3-3CD7-4C25-8545-0FCB03E441DB}"/>
+              </a:ext>
+            </a:extLst>
+          </p:cNvPr>
+          <p:cNvPicPr>
+            <a:picLocks noChangeAspect="1" noChangeArrowheads="1"/>
+          </p:cNvPicPr>
+          <p:nvPr/>
+        </p:nvPicPr>
+        <p:blipFill>
+          <a:blip r:embed="rId2">
+            <a:extLst>
+              <a:ext uri="{28A0092B-C50C-407E-A947-70E740481C1C}">
+                <a14:useLocalDpi xmlns:a14="http://schemas.microsoft.com/office/drawing/2010/main" val="0"/>
+              </a:ext>
+            </a:extLst>
+          </a:blip>
+          <a:srcRect/>
+          <a:stretch>
+            <a:fillRect/>
+          </a:stretch>
+        </p:blipFill>
+        <p:spPr bwMode="auto">
+          <a:xfrm>
+            <a:off x="0" y="0"/>
+            <a:ext cx="228600" cy="228600"/>
+          </a:xfrm>
+          <a:prstGeom prst="rect">
+            <a:avLst/>
+          </a:prstGeom>
+          <a:noFill/>
+          <a:extLst>
+            <a:ext uri="{909E8E84-426E-40DD-AFC4-6F175D3DCCD1}">
+              <a14:hiddenFill xmlns:a14="http://schemas.microsoft.com/office/drawing/2010/main">
+                <a:solidFill>
+                  <a:srgbClr val="FFFFFF"/>
+                </a:solidFill>
+              </a14:hiddenFill>
+            </a:ext>
+          </a:extLst>
+        </p:spPr>
+      </p:pic>
+      <p:pic>
+        <p:nvPicPr>
+          <p:cNvPr id="1027" name="Picture 3" descr="User">
+            <a:extLst>
+              <a:ext uri="{FF2B5EF4-FFF2-40B4-BE49-F238E27FC236}">
+                <a16:creationId xmlns:a16="http://schemas.microsoft.com/office/drawing/2014/main" id="{61CF1BC2-6F82-4EE2-8E85-DF7BBD6B129D}"/>
+              </a:ext>
+            </a:extLst>
+          </p:cNvPr>
+          <p:cNvPicPr>
+            <a:picLocks noChangeAspect="1" noChangeArrowheads="1"/>
+          </p:cNvPicPr>
+          <p:nvPr/>
+        </p:nvPicPr>
+        <p:blipFill>
+          <a:blip r:embed="rId2">
+            <a:extLst>
+              <a:ext uri="{28A0092B-C50C-407E-A947-70E740481C1C}">
+                <a14:useLocalDpi xmlns:a14="http://schemas.microsoft.com/office/drawing/2010/main" val="0"/>
+              </a:ext>
+            </a:extLst>
+          </a:blip>
+          <a:srcRect/>
+          <a:stretch>
+            <a:fillRect/>
+          </a:stretch>
+        </p:blipFill>
+        <p:spPr bwMode="auto">
+          <a:xfrm>
+            <a:off x="0" y="0"/>
+            <a:ext cx="228600" cy="228600"/>
+          </a:xfrm>
+          <a:prstGeom prst="rect">
+            <a:avLst/>
+          </a:prstGeom>
+          <a:noFill/>
+          <a:extLst>
+            <a:ext uri="{909E8E84-426E-40DD-AFC4-6F175D3DCCD1}">
+              <a14:hiddenFill xmlns:a14="http://schemas.microsoft.com/office/drawing/2010/main">
+                <a:solidFill>
+                  <a:srgbClr val="FFFFFF"/>
+                </a:solidFill>
+              </a14:hiddenFill>
+            </a:ext>
+          </a:extLst>
+        </p:spPr>
+      </p:pic>
     </p:spTree>
     <p:extLst>
       <p:ext uri="{BB962C8B-B14F-4D97-AF65-F5344CB8AC3E}">
@@ -23546,13 +23736,13 @@
   <p:clrMapOvr>
     <a:masterClrMapping/>
   </p:clrMapOvr>
-  <mc:AlternateContent xmlns:mc="http://schemas.openxmlformats.org/markup-compatibility/2006">
-    <mc:Choice xmlns:p14="http://schemas.microsoft.com/office/powerpoint/2010/main" Requires="p14">
+  <mc:AlternateContent xmlns:mc="http://schemas.openxmlformats.org/markup-compatibility/2006" xmlns:p14="http://schemas.microsoft.com/office/powerpoint/2010/main">
+    <mc:Choice Requires="p14">
       <p:transition spd="slow" p14:dur="800">
         <p:circle/>
       </p:transition>
     </mc:Choice>
-    <mc:Fallback>
+    <mc:Fallback xmlns="">
       <p:transition spd="slow">
         <p:circle/>
       </p:transition>
@@ -25423,13 +25613,13 @@
   <p:clrMapOvr>
     <a:masterClrMapping/>
   </p:clrMapOvr>
-  <mc:AlternateContent xmlns:mc="http://schemas.openxmlformats.org/markup-compatibility/2006">
-    <mc:Choice xmlns:p14="http://schemas.microsoft.com/office/powerpoint/2010/main" Requires="p14">
+  <mc:AlternateContent xmlns:mc="http://schemas.openxmlformats.org/markup-compatibility/2006" xmlns:p14="http://schemas.microsoft.com/office/powerpoint/2010/main">
+    <mc:Choice Requires="p14">
       <p:transition spd="slow">
         <p14:flash/>
       </p:transition>
     </mc:Choice>
-    <mc:Fallback>
+    <mc:Fallback xmlns="">
       <p:transition spd="slow">
         <p:fade/>
       </p:transition>
@@ -27435,13 +27625,13 @@
   <p:clrMapOvr>
     <a:masterClrMapping/>
   </p:clrMapOvr>
-  <mc:AlternateContent xmlns:mc="http://schemas.openxmlformats.org/markup-compatibility/2006">
-    <mc:Choice xmlns:p15="http://schemas.microsoft.com/office/powerpoint/2012/main" Requires="p15">
+  <mc:AlternateContent xmlns:mc="http://schemas.openxmlformats.org/markup-compatibility/2006" xmlns:p15="http://schemas.microsoft.com/office/powerpoint/2012/main">
+    <mc:Choice Requires="p15">
       <p:transition xmlns:p14="http://schemas.microsoft.com/office/powerpoint/2010/main" spd="slow" p14:dur="3250">
         <p15:prstTrans prst="origami"/>
       </p:transition>
     </mc:Choice>
-    <mc:Fallback>
+    <mc:Fallback xmlns="">
       <p:transition spd="slow">
         <p:fade/>
       </p:transition>
@@ -28508,13 +28698,13 @@
   <p:clrMapOvr>
     <a:masterClrMapping/>
   </p:clrMapOvr>
-  <mc:AlternateContent xmlns:mc="http://schemas.openxmlformats.org/markup-compatibility/2006">
-    <mc:Choice xmlns:p14="http://schemas.microsoft.com/office/powerpoint/2010/main" Requires="p14">
+  <mc:AlternateContent xmlns:mc="http://schemas.openxmlformats.org/markup-compatibility/2006" xmlns:p14="http://schemas.microsoft.com/office/powerpoint/2010/main">
+    <mc:Choice Requires="p14">
       <p:transition spd="slow" p14:dur="1200">
         <p:dissolve/>
       </p:transition>
     </mc:Choice>
-    <mc:Fallback>
+    <mc:Fallback xmlns="">
       <p:transition spd="slow">
         <p:dissolve/>
       </p:transition>
